--- a/rec-notes/r06.pptx
+++ b/rec-notes/r06.pptx
@@ -16923,6 +16923,17 @@
             </a:r>
           </a:p>
           <a:p>
+            <a:r>
+              <a:rPr lang="en-US" dirty="0"/>
+              <a:t>If you need to manually </a:t>
+            </a:r>
+            <a:r>
+              <a:rPr lang="en-US" dirty="0" smtClean="0"/>
+              <a:t>de-allocate</a:t>
+            </a:r>
+            <a:endParaRPr lang="en-US" dirty="0" smtClean="0"/>
+          </a:p>
+          <a:p>
             <a:pPr lvl="1"/>
             <a:r>
               <a:rPr lang="en-US" dirty="0"/>

--- a/rec-notes/r06.pptx
+++ b/rec-notes/r06.pptx
@@ -144,14 +144,6 @@
 </p:presentation>
 </file>
 
-<file path=ppt/revisionInfo.xml><?xml version="1.0" encoding="utf-8"?>
-<p1510:revInfo xmlns:a="http://schemas.openxmlformats.org/drawingml/2006/main" xmlns:r="http://schemas.openxmlformats.org/officeDocument/2006/relationships" xmlns:p1510="http://schemas.microsoft.com/office/powerpoint/2015/10/main">
-  <p1510:revLst>
-    <p1510:client id="{C90332C9-D595-9B4F-9F22-31349CC07341}" v="795" dt="2021-10-13T21:09:56.057"/>
-  </p1510:revLst>
-</p1510:revInfo>
-</file>
-
 <file path=ppt/notesMasters/notesMaster1.xml><?xml version="1.0" encoding="utf-8"?>
 <p:notesMaster xmlns:a="http://schemas.openxmlformats.org/drawingml/2006/main" xmlns:r="http://schemas.openxmlformats.org/officeDocument/2006/relationships" xmlns:p="http://schemas.openxmlformats.org/presentationml/2006/main">
   <p:cSld>
@@ -545,114 +537,6 @@
           <a:bodyPr/>
           <a:lstStyle/>
           <a:p>
-            <a:r>
-              <a:rPr lang="en-US" altLang="zh-CN" dirty="0"/>
-              <a:t>If</a:t>
-            </a:r>
-            <a:r>
-              <a:rPr lang="zh-CN" altLang="en-US" dirty="0"/>
-              <a:t> </a:t>
-            </a:r>
-            <a:r>
-              <a:rPr lang="en-US" altLang="zh-CN" dirty="0"/>
-              <a:t>you</a:t>
-            </a:r>
-            <a:r>
-              <a:rPr lang="zh-CN" altLang="en-US" dirty="0"/>
-              <a:t> </a:t>
-            </a:r>
-            <a:r>
-              <a:rPr lang="en-US" altLang="zh-CN" dirty="0"/>
-              <a:t>don’t</a:t>
-            </a:r>
-            <a:r>
-              <a:rPr lang="zh-CN" altLang="en-US" dirty="0"/>
-              <a:t> </a:t>
-            </a:r>
-            <a:r>
-              <a:rPr lang="en-US" altLang="zh-CN" dirty="0"/>
-              <a:t>specify</a:t>
-            </a:r>
-            <a:r>
-              <a:rPr lang="zh-CN" altLang="en-US" dirty="0"/>
-              <a:t> </a:t>
-            </a:r>
-            <a:r>
-              <a:rPr lang="en-US" altLang="zh-CN" dirty="0"/>
-              <a:t>the</a:t>
-            </a:r>
-            <a:r>
-              <a:rPr lang="zh-CN" altLang="en-US" dirty="0"/>
-              <a:t> </a:t>
-            </a:r>
-            <a:r>
-              <a:rPr lang="en-US" altLang="zh-CN" dirty="0"/>
-              <a:t>object</a:t>
-            </a:r>
-            <a:r>
-              <a:rPr lang="zh-CN" altLang="en-US" dirty="0"/>
-              <a:t> </a:t>
-            </a:r>
-            <a:r>
-              <a:rPr lang="en-US" altLang="zh-CN" dirty="0"/>
-              <a:t>file</a:t>
-            </a:r>
-            <a:r>
-              <a:rPr lang="zh-CN" altLang="en-US" dirty="0"/>
-              <a:t> </a:t>
-            </a:r>
-            <a:r>
-              <a:rPr lang="en-US" altLang="zh-CN" dirty="0"/>
-              <a:t>name,</a:t>
-            </a:r>
-            <a:r>
-              <a:rPr lang="zh-CN" altLang="en-US" dirty="0"/>
-              <a:t> </a:t>
-            </a:r>
-            <a:r>
-              <a:rPr lang="en-US" altLang="zh-CN" dirty="0"/>
-              <a:t>it</a:t>
-            </a:r>
-            <a:r>
-              <a:rPr lang="zh-CN" altLang="en-US" dirty="0"/>
-              <a:t> </a:t>
-            </a:r>
-            <a:r>
-              <a:rPr lang="en-US" altLang="zh-CN" dirty="0"/>
-              <a:t>will</a:t>
-            </a:r>
-            <a:r>
-              <a:rPr lang="zh-CN" altLang="en-US" dirty="0"/>
-              <a:t> </a:t>
-            </a:r>
-            <a:r>
-              <a:rPr lang="en-US" altLang="zh-CN" dirty="0"/>
-              <a:t>generate</a:t>
-            </a:r>
-            <a:r>
-              <a:rPr lang="zh-CN" altLang="en-US" dirty="0"/>
-              <a:t> </a:t>
-            </a:r>
-            <a:r>
-              <a:rPr lang="en-US" altLang="zh-CN" dirty="0" err="1"/>
-              <a:t>a.out</a:t>
-            </a:r>
-            <a:r>
-              <a:rPr lang="zh-CN" altLang="en-US" dirty="0"/>
-              <a:t> </a:t>
-            </a:r>
-            <a:r>
-              <a:rPr lang="en-US" altLang="zh-CN" dirty="0"/>
-              <a:t>by</a:t>
-            </a:r>
-            <a:r>
-              <a:rPr lang="zh-CN" altLang="en-US" dirty="0"/>
-              <a:t> </a:t>
-            </a:r>
-            <a:r>
-              <a:rPr lang="en-US" altLang="zh-CN" dirty="0"/>
-              <a:t>default.</a:t>
-            </a:r>
             <a:endParaRPr lang="en-US" dirty="0"/>
           </a:p>
         </p:txBody>
@@ -737,7 +621,7 @@
           <a:bodyPr/>
           <a:lstStyle/>
           <a:p>
-            <a:endParaRPr lang="en-US"/>
+            <a:endParaRPr lang="en-US" dirty="0"/>
           </a:p>
         </p:txBody>
       </p:sp>
@@ -758,7 +642,7 @@
           <a:p>
             <a:fld id="{12997B96-140C-EA4F-B463-52D6458225A7}" type="slidenum">
               <a:rPr lang="en-US" smtClean="0"/>
-              <a:t>14</a:t>
+              <a:t>13</a:t>
             </a:fld>
             <a:endParaRPr lang="en-US"/>
           </a:p>
@@ -767,7 +651,7 @@
     </p:spTree>
     <p:extLst>
       <p:ext uri="{BB962C8B-B14F-4D97-AF65-F5344CB8AC3E}">
-        <p14:creationId xmlns:p14="http://schemas.microsoft.com/office/powerpoint/2010/main" val="1046644847"/>
+        <p14:creationId xmlns:p14="http://schemas.microsoft.com/office/powerpoint/2010/main" val="3853438475"/>
       </p:ext>
     </p:extLst>
   </p:cSld>
@@ -821,23 +705,6 @@
           <a:bodyPr/>
           <a:lstStyle/>
           <a:p>
-            <a:pPr marL="0" marR="0" indent="0" algn="l" defTabSz="914400" rtl="0" eaLnBrk="1" fontAlgn="auto" latinLnBrk="0" hangingPunct="1">
-              <a:lnSpc>
-                <a:spcPct val="100000"/>
-              </a:lnSpc>
-              <a:spcBef>
-                <a:spcPts val="0"/>
-              </a:spcBef>
-              <a:spcAft>
-                <a:spcPts val="0"/>
-              </a:spcAft>
-              <a:buClrTx/>
-              <a:buSzTx/>
-              <a:buFontTx/>
-              <a:buNone/>
-              <a:tabLst/>
-              <a:defRPr/>
-            </a:pPr>
             <a:endParaRPr lang="en-US"/>
           </a:p>
         </p:txBody>
@@ -857,9 +724,9 @@
           <a:bodyPr/>
           <a:lstStyle/>
           <a:p>
-            <a:fld id="{A9B581A5-7285-1149-8FD8-E075D459E27D}" type="slidenum">
+            <a:fld id="{12997B96-140C-EA4F-B463-52D6458225A7}" type="slidenum">
               <a:rPr lang="en-US" smtClean="0"/>
-              <a:t>17</a:t>
+              <a:t>14</a:t>
             </a:fld>
             <a:endParaRPr lang="en-US"/>
           </a:p>
@@ -868,7 +735,7 @@
     </p:spTree>
     <p:extLst>
       <p:ext uri="{BB962C8B-B14F-4D97-AF65-F5344CB8AC3E}">
-        <p14:creationId xmlns:p14="http://schemas.microsoft.com/office/powerpoint/2010/main" val="1810894364"/>
+        <p14:creationId xmlns:p14="http://schemas.microsoft.com/office/powerpoint/2010/main" val="1046644847"/>
       </p:ext>
     </p:extLst>
   </p:cSld>
@@ -922,6 +789,23 @@
           <a:bodyPr/>
           <a:lstStyle/>
           <a:p>
+            <a:pPr marL="0" marR="0" indent="0" algn="l" defTabSz="914400" rtl="0" eaLnBrk="1" fontAlgn="auto" latinLnBrk="0" hangingPunct="1">
+              <a:lnSpc>
+                <a:spcPct val="100000"/>
+              </a:lnSpc>
+              <a:spcBef>
+                <a:spcPts val="0"/>
+              </a:spcBef>
+              <a:spcAft>
+                <a:spcPts val="0"/>
+              </a:spcAft>
+              <a:buClrTx/>
+              <a:buSzTx/>
+              <a:buFontTx/>
+              <a:buNone/>
+              <a:tabLst/>
+              <a:defRPr/>
+            </a:pPr>
             <a:endParaRPr lang="en-US"/>
           </a:p>
         </p:txBody>
@@ -943,7 +827,7 @@
           <a:p>
             <a:fld id="{A9B581A5-7285-1149-8FD8-E075D459E27D}" type="slidenum">
               <a:rPr lang="en-US" smtClean="0"/>
-              <a:t>18</a:t>
+              <a:t>17</a:t>
             </a:fld>
             <a:endParaRPr lang="en-US"/>
           </a:p>
@@ -952,7 +836,7 @@
     </p:spTree>
     <p:extLst>
       <p:ext uri="{BB962C8B-B14F-4D97-AF65-F5344CB8AC3E}">
-        <p14:creationId xmlns:p14="http://schemas.microsoft.com/office/powerpoint/2010/main" val="143059774"/>
+        <p14:creationId xmlns:p14="http://schemas.microsoft.com/office/powerpoint/2010/main" val="1810894364"/>
       </p:ext>
     </p:extLst>
   </p:cSld>
@@ -1006,23 +890,6 @@
           <a:bodyPr/>
           <a:lstStyle/>
           <a:p>
-            <a:pPr marL="0" marR="0" indent="0" algn="l" defTabSz="914400" rtl="0" eaLnBrk="1" fontAlgn="auto" latinLnBrk="0" hangingPunct="1">
-              <a:lnSpc>
-                <a:spcPct val="100000"/>
-              </a:lnSpc>
-              <a:spcBef>
-                <a:spcPts val="0"/>
-              </a:spcBef>
-              <a:spcAft>
-                <a:spcPts val="0"/>
-              </a:spcAft>
-              <a:buClrTx/>
-              <a:buSzTx/>
-              <a:buFontTx/>
-              <a:buNone/>
-              <a:tabLst/>
-              <a:defRPr/>
-            </a:pPr>
             <a:endParaRPr lang="en-US"/>
           </a:p>
         </p:txBody>
@@ -1044,7 +911,7 @@
           <a:p>
             <a:fld id="{A9B581A5-7285-1149-8FD8-E075D459E27D}" type="slidenum">
               <a:rPr lang="en-US" smtClean="0"/>
-              <a:t>20</a:t>
+              <a:t>18</a:t>
             </a:fld>
             <a:endParaRPr lang="en-US"/>
           </a:p>
@@ -1053,7 +920,7 @@
     </p:spTree>
     <p:extLst>
       <p:ext uri="{BB962C8B-B14F-4D97-AF65-F5344CB8AC3E}">
-        <p14:creationId xmlns:p14="http://schemas.microsoft.com/office/powerpoint/2010/main" val="1856086346"/>
+        <p14:creationId xmlns:p14="http://schemas.microsoft.com/office/powerpoint/2010/main" val="143059774"/>
       </p:ext>
     </p:extLst>
   </p:cSld>
@@ -1145,7 +1012,7 @@
           <a:p>
             <a:fld id="{A9B581A5-7285-1149-8FD8-E075D459E27D}" type="slidenum">
               <a:rPr lang="en-US" smtClean="0"/>
-              <a:t>21</a:t>
+              <a:t>20</a:t>
             </a:fld>
             <a:endParaRPr lang="en-US"/>
           </a:p>
@@ -1154,7 +1021,7 @@
     </p:spTree>
     <p:extLst>
       <p:ext uri="{BB962C8B-B14F-4D97-AF65-F5344CB8AC3E}">
-        <p14:creationId xmlns:p14="http://schemas.microsoft.com/office/powerpoint/2010/main" val="1556484369"/>
+        <p14:creationId xmlns:p14="http://schemas.microsoft.com/office/powerpoint/2010/main" val="1856086346"/>
       </p:ext>
     </p:extLst>
   </p:cSld>
@@ -1208,6 +1075,23 @@
           <a:bodyPr/>
           <a:lstStyle/>
           <a:p>
+            <a:pPr marL="0" marR="0" indent="0" algn="l" defTabSz="914400" rtl="0" eaLnBrk="1" fontAlgn="auto" latinLnBrk="0" hangingPunct="1">
+              <a:lnSpc>
+                <a:spcPct val="100000"/>
+              </a:lnSpc>
+              <a:spcBef>
+                <a:spcPts val="0"/>
+              </a:spcBef>
+              <a:spcAft>
+                <a:spcPts val="0"/>
+              </a:spcAft>
+              <a:buClrTx/>
+              <a:buSzTx/>
+              <a:buFontTx/>
+              <a:buNone/>
+              <a:tabLst/>
+              <a:defRPr/>
+            </a:pPr>
             <a:endParaRPr lang="en-US"/>
           </a:p>
         </p:txBody>
@@ -1229,7 +1113,7 @@
           <a:p>
             <a:fld id="{A9B581A5-7285-1149-8FD8-E075D459E27D}" type="slidenum">
               <a:rPr lang="en-US" smtClean="0"/>
-              <a:t>22</a:t>
+              <a:t>21</a:t>
             </a:fld>
             <a:endParaRPr lang="en-US"/>
           </a:p>
@@ -1238,7 +1122,7 @@
     </p:spTree>
     <p:extLst>
       <p:ext uri="{BB962C8B-B14F-4D97-AF65-F5344CB8AC3E}">
-        <p14:creationId xmlns:p14="http://schemas.microsoft.com/office/powerpoint/2010/main" val="998140378"/>
+        <p14:creationId xmlns:p14="http://schemas.microsoft.com/office/powerpoint/2010/main" val="1556484369"/>
       </p:ext>
     </p:extLst>
   </p:cSld>
@@ -1313,7 +1197,7 @@
           <a:p>
             <a:fld id="{A9B581A5-7285-1149-8FD8-E075D459E27D}" type="slidenum">
               <a:rPr lang="en-US" smtClean="0"/>
-              <a:t>24</a:t>
+              <a:t>22</a:t>
             </a:fld>
             <a:endParaRPr lang="en-US"/>
           </a:p>
@@ -1322,7 +1206,7 @@
     </p:spTree>
     <p:extLst>
       <p:ext uri="{BB962C8B-B14F-4D97-AF65-F5344CB8AC3E}">
-        <p14:creationId xmlns:p14="http://schemas.microsoft.com/office/powerpoint/2010/main" val="565127963"/>
+        <p14:creationId xmlns:p14="http://schemas.microsoft.com/office/powerpoint/2010/main" val="998140378"/>
       </p:ext>
     </p:extLst>
   </p:cSld>
@@ -1397,7 +1281,7 @@
           <a:p>
             <a:fld id="{A9B581A5-7285-1149-8FD8-E075D459E27D}" type="slidenum">
               <a:rPr lang="en-US" smtClean="0"/>
-              <a:t>25</a:t>
+              <a:t>24</a:t>
             </a:fld>
             <a:endParaRPr lang="en-US"/>
           </a:p>
@@ -1406,7 +1290,7 @@
     </p:spTree>
     <p:extLst>
       <p:ext uri="{BB962C8B-B14F-4D97-AF65-F5344CB8AC3E}">
-        <p14:creationId xmlns:p14="http://schemas.microsoft.com/office/powerpoint/2010/main" val="536133125"/>
+        <p14:creationId xmlns:p14="http://schemas.microsoft.com/office/powerpoint/2010/main" val="565127963"/>
       </p:ext>
     </p:extLst>
   </p:cSld>
@@ -1481,7 +1365,7 @@
           <a:p>
             <a:fld id="{A9B581A5-7285-1149-8FD8-E075D459E27D}" type="slidenum">
               <a:rPr lang="en-US" smtClean="0"/>
-              <a:t>26</a:t>
+              <a:t>25</a:t>
             </a:fld>
             <a:endParaRPr lang="en-US"/>
           </a:p>
@@ -1490,7 +1374,7 @@
     </p:spTree>
     <p:extLst>
       <p:ext uri="{BB962C8B-B14F-4D97-AF65-F5344CB8AC3E}">
-        <p14:creationId xmlns:p14="http://schemas.microsoft.com/office/powerpoint/2010/main" val="325238951"/>
+        <p14:creationId xmlns:p14="http://schemas.microsoft.com/office/powerpoint/2010/main" val="536133125"/>
       </p:ext>
     </p:extLst>
   </p:cSld>
@@ -1544,471 +1428,7 @@
           <a:bodyPr/>
           <a:lstStyle/>
           <a:p>
-            <a:r>
-              <a:rPr lang="en-US" dirty="0"/>
-              <a:t>When initialize a list, put two</a:t>
-            </a:r>
-            <a:r>
-              <a:rPr lang="zh-CN" altLang="en-US" dirty="0"/>
-              <a:t> </a:t>
-            </a:r>
-            <a:r>
-              <a:rPr lang="en-US" altLang="zh-CN" dirty="0"/>
-              <a:t>dummy</a:t>
-            </a:r>
-            <a:r>
-              <a:rPr lang="en-US" dirty="0"/>
-              <a:t> nodes with minimum data and maximum data</a:t>
-            </a:r>
-            <a:r>
-              <a:rPr lang="en-US" altLang="zh-CN" dirty="0"/>
-              <a:t>.</a:t>
-            </a:r>
-            <a:r>
-              <a:rPr lang="zh-CN" altLang="en-US" dirty="0"/>
-              <a:t> </a:t>
-            </a:r>
-            <a:r>
-              <a:rPr lang="en-US" altLang="zh-CN" dirty="0"/>
-              <a:t>This</a:t>
-            </a:r>
-            <a:r>
-              <a:rPr lang="zh-CN" altLang="en-US" dirty="0"/>
-              <a:t> </a:t>
-            </a:r>
-            <a:r>
-              <a:rPr lang="en-US" altLang="zh-CN" dirty="0"/>
-              <a:t>way,</a:t>
-            </a:r>
-            <a:r>
-              <a:rPr lang="zh-CN" altLang="en-US" dirty="0"/>
-              <a:t> </a:t>
-            </a:r>
-            <a:r>
-              <a:rPr lang="en-US" altLang="zh-CN" dirty="0"/>
-              <a:t>the</a:t>
-            </a:r>
-            <a:r>
-              <a:rPr lang="zh-CN" altLang="en-US" dirty="0"/>
-              <a:t> </a:t>
-            </a:r>
-            <a:r>
-              <a:rPr lang="en-US" altLang="zh-CN" dirty="0"/>
-              <a:t>list</a:t>
-            </a:r>
-            <a:r>
-              <a:rPr lang="zh-CN" altLang="en-US" dirty="0"/>
-              <a:t> </a:t>
-            </a:r>
-            <a:r>
-              <a:rPr lang="en-US" altLang="zh-CN" dirty="0"/>
-              <a:t>is</a:t>
-            </a:r>
-            <a:r>
-              <a:rPr lang="zh-CN" altLang="en-US" dirty="0"/>
-              <a:t> </a:t>
-            </a:r>
-            <a:r>
-              <a:rPr lang="en-US" altLang="zh-CN" dirty="0"/>
-              <a:t>always</a:t>
-            </a:r>
-            <a:r>
-              <a:rPr lang="zh-CN" altLang="en-US" dirty="0"/>
-              <a:t> </a:t>
-            </a:r>
-            <a:r>
-              <a:rPr lang="en-US" altLang="zh-CN" dirty="0"/>
-              <a:t>non-empty,</a:t>
-            </a:r>
-            <a:r>
-              <a:rPr lang="zh-CN" altLang="en-US" dirty="0"/>
-              <a:t> </a:t>
-            </a:r>
-            <a:r>
-              <a:rPr lang="en-US" altLang="zh-CN" dirty="0"/>
-              <a:t>and</a:t>
-            </a:r>
-            <a:r>
-              <a:rPr lang="zh-CN" altLang="en-US" dirty="0"/>
-              <a:t> </a:t>
-            </a:r>
-            <a:r>
-              <a:rPr lang="en-US" altLang="zh-CN" dirty="0"/>
-              <a:t>there</a:t>
-            </a:r>
-            <a:r>
-              <a:rPr lang="zh-CN" altLang="en-US" dirty="0"/>
-              <a:t> </a:t>
-            </a:r>
-            <a:r>
-              <a:rPr lang="en-US" altLang="zh-CN" dirty="0"/>
-              <a:t>is</a:t>
-            </a:r>
-            <a:r>
-              <a:rPr lang="zh-CN" altLang="en-US" dirty="0"/>
-              <a:t> </a:t>
-            </a:r>
-            <a:r>
-              <a:rPr lang="en-US" altLang="zh-CN" dirty="0"/>
-              <a:t>never</a:t>
-            </a:r>
-            <a:r>
-              <a:rPr lang="zh-CN" altLang="en-US" dirty="0"/>
-              <a:t> </a:t>
-            </a:r>
-            <a:r>
-              <a:rPr lang="en-US" altLang="zh-CN" dirty="0"/>
-              <a:t>a</a:t>
-            </a:r>
-            <a:r>
-              <a:rPr lang="zh-CN" altLang="en-US" dirty="0"/>
-              <a:t> </a:t>
-            </a:r>
-            <a:r>
-              <a:rPr lang="en-US" altLang="zh-CN" dirty="0"/>
-              <a:t>node</a:t>
-            </a:r>
-            <a:r>
-              <a:rPr lang="zh-CN" altLang="en-US" dirty="0"/>
-              <a:t> </a:t>
-            </a:r>
-            <a:r>
-              <a:rPr lang="en-US" altLang="zh-CN" dirty="0"/>
-              <a:t>smaller/larger</a:t>
-            </a:r>
-            <a:r>
-              <a:rPr lang="zh-CN" altLang="en-US" dirty="0"/>
-              <a:t> </a:t>
-            </a:r>
-            <a:r>
-              <a:rPr lang="en-US" altLang="zh-CN" dirty="0"/>
-              <a:t>than</a:t>
-            </a:r>
-            <a:r>
-              <a:rPr lang="zh-CN" altLang="en-US" dirty="0"/>
-              <a:t> </a:t>
-            </a:r>
-            <a:r>
-              <a:rPr lang="en-US" altLang="zh-CN" dirty="0"/>
-              <a:t>head</a:t>
-            </a:r>
-            <a:r>
-              <a:rPr lang="zh-CN" altLang="en-US" dirty="0"/>
-              <a:t> </a:t>
-            </a:r>
-            <a:r>
-              <a:rPr lang="en-US" altLang="zh-CN" dirty="0"/>
-              <a:t>node.</a:t>
-            </a:r>
-            <a:r>
-              <a:rPr lang="zh-CN" altLang="en-US" dirty="0"/>
-              <a:t> </a:t>
-            </a:r>
-            <a:r>
-              <a:rPr lang="en-US" altLang="zh-CN" dirty="0"/>
-              <a:t>Thus</a:t>
-            </a:r>
-            <a:r>
-              <a:rPr lang="zh-CN" altLang="en-US" dirty="0"/>
-              <a:t> </a:t>
-            </a:r>
-            <a:r>
-              <a:rPr lang="en-US" altLang="zh-CN" dirty="0"/>
-              <a:t>we</a:t>
-            </a:r>
-            <a:r>
-              <a:rPr lang="zh-CN" altLang="en-US" dirty="0"/>
-              <a:t> </a:t>
-            </a:r>
-            <a:r>
-              <a:rPr lang="en-US" altLang="zh-CN" dirty="0"/>
-              <a:t>reduce</a:t>
-            </a:r>
-            <a:r>
-              <a:rPr lang="zh-CN" altLang="en-US" dirty="0"/>
-              <a:t> </a:t>
-            </a:r>
-            <a:r>
-              <a:rPr lang="en-US" altLang="zh-CN" dirty="0"/>
-              <a:t>to</a:t>
-            </a:r>
-            <a:r>
-              <a:rPr lang="zh-CN" altLang="en-US" dirty="0"/>
-              <a:t> </a:t>
-            </a:r>
-            <a:r>
-              <a:rPr lang="en-US" altLang="zh-CN" dirty="0"/>
-              <a:t>only</a:t>
-            </a:r>
-            <a:r>
-              <a:rPr lang="zh-CN" altLang="en-US" dirty="0"/>
-              <a:t> </a:t>
-            </a:r>
-            <a:r>
-              <a:rPr lang="en-US" altLang="zh-CN" dirty="0"/>
-              <a:t>have</a:t>
-            </a:r>
-            <a:r>
-              <a:rPr lang="zh-CN" altLang="en-US" dirty="0"/>
-              <a:t> </a:t>
-            </a:r>
-            <a:r>
-              <a:rPr lang="en-US" altLang="zh-CN" dirty="0"/>
-              <a:t>the</a:t>
-            </a:r>
-            <a:r>
-              <a:rPr lang="zh-CN" altLang="en-US" dirty="0"/>
-              <a:t> </a:t>
-            </a:r>
-            <a:r>
-              <a:rPr lang="en-US" altLang="zh-CN" dirty="0"/>
-              <a:t>3</a:t>
-            </a:r>
-            <a:r>
-              <a:rPr lang="en-US" altLang="zh-CN" baseline="30000" dirty="0"/>
-              <a:t>rd</a:t>
-            </a:r>
-            <a:r>
-              <a:rPr lang="zh-CN" altLang="en-US" dirty="0"/>
-              <a:t> </a:t>
-            </a:r>
-            <a:r>
-              <a:rPr lang="en-US" altLang="zh-CN" dirty="0"/>
-              <a:t>case.</a:t>
-            </a:r>
-            <a:r>
-              <a:rPr lang="zh-CN" altLang="en-US" dirty="0"/>
-              <a:t> </a:t>
-            </a:r>
-            <a:r>
-              <a:rPr lang="en-US" altLang="zh-CN" dirty="0"/>
-              <a:t>You</a:t>
-            </a:r>
-            <a:r>
-              <a:rPr lang="zh-CN" altLang="en-US" dirty="0"/>
-              <a:t> </a:t>
-            </a:r>
-            <a:r>
-              <a:rPr lang="en-US" altLang="zh-CN" dirty="0"/>
-              <a:t>can</a:t>
-            </a:r>
-            <a:r>
-              <a:rPr lang="zh-CN" altLang="en-US" dirty="0"/>
-              <a:t> </a:t>
-            </a:r>
-            <a:r>
-              <a:rPr lang="en-US" altLang="zh-CN" dirty="0"/>
-              <a:t>search</a:t>
-            </a:r>
-            <a:r>
-              <a:rPr lang="zh-CN" altLang="en-US" dirty="0"/>
-              <a:t> </a:t>
-            </a:r>
-            <a:r>
-              <a:rPr lang="en-US" altLang="zh-CN" dirty="0"/>
-              <a:t>for</a:t>
-            </a:r>
-            <a:r>
-              <a:rPr lang="zh-CN" altLang="en-US" dirty="0"/>
-              <a:t> </a:t>
-            </a:r>
-            <a:r>
-              <a:rPr lang="en-US" altLang="zh-CN" dirty="0"/>
-              <a:t>sentinel</a:t>
-            </a:r>
-            <a:r>
-              <a:rPr lang="zh-CN" altLang="en-US" dirty="0"/>
-              <a:t> </a:t>
-            </a:r>
-            <a:r>
-              <a:rPr lang="en-US" altLang="zh-CN" dirty="0"/>
-              <a:t>node</a:t>
-            </a:r>
-            <a:r>
-              <a:rPr lang="zh-CN" altLang="en-US" dirty="0"/>
-              <a:t> </a:t>
-            </a:r>
-            <a:r>
-              <a:rPr lang="en-US" altLang="zh-CN" dirty="0"/>
-              <a:t>for</a:t>
-            </a:r>
-            <a:r>
-              <a:rPr lang="zh-CN" altLang="en-US" dirty="0"/>
-              <a:t> </a:t>
-            </a:r>
-            <a:r>
-              <a:rPr lang="en-US" altLang="zh-CN" dirty="0"/>
-              <a:t>detail.</a:t>
-            </a:r>
-            <a:r>
-              <a:rPr lang="zh-CN" altLang="en-US" dirty="0"/>
-              <a:t> </a:t>
-            </a:r>
-            <a:r>
-              <a:rPr lang="en-US" altLang="zh-CN" dirty="0"/>
-              <a:t>However,</a:t>
-            </a:r>
-            <a:r>
-              <a:rPr lang="zh-CN" altLang="en-US" dirty="0"/>
-              <a:t> </a:t>
-            </a:r>
-            <a:r>
-              <a:rPr lang="en-US" altLang="zh-CN" dirty="0"/>
-              <a:t>in</a:t>
-            </a:r>
-            <a:r>
-              <a:rPr lang="zh-CN" altLang="en-US" dirty="0"/>
-              <a:t> </a:t>
-            </a:r>
-            <a:r>
-              <a:rPr lang="en-US" altLang="zh-CN" dirty="0"/>
-              <a:t>your</a:t>
-            </a:r>
-            <a:r>
-              <a:rPr lang="zh-CN" altLang="en-US" dirty="0"/>
-              <a:t> </a:t>
-            </a:r>
-            <a:r>
-              <a:rPr lang="en-US" altLang="zh-CN" dirty="0"/>
-              <a:t>lab</a:t>
-            </a:r>
-            <a:r>
-              <a:rPr lang="zh-CN" altLang="en-US" dirty="0"/>
-              <a:t> </a:t>
-            </a:r>
-            <a:r>
-              <a:rPr lang="en-US" altLang="zh-CN" dirty="0"/>
-              <a:t>you</a:t>
-            </a:r>
-            <a:r>
-              <a:rPr lang="zh-CN" altLang="en-US" dirty="0"/>
-              <a:t> </a:t>
-            </a:r>
-            <a:r>
-              <a:rPr lang="en-US" altLang="zh-CN" dirty="0"/>
-              <a:t>should</a:t>
-            </a:r>
-            <a:r>
-              <a:rPr lang="zh-CN" altLang="en-US" dirty="0"/>
-              <a:t>  </a:t>
-            </a:r>
-            <a:r>
-              <a:rPr lang="en-US" altLang="zh-CN" dirty="0"/>
-              <a:t>not</a:t>
-            </a:r>
-            <a:r>
-              <a:rPr lang="zh-CN" altLang="en-US" dirty="0"/>
-              <a:t> </a:t>
-            </a:r>
-            <a:r>
-              <a:rPr lang="en-US" altLang="zh-CN" dirty="0"/>
-              <a:t>use</a:t>
-            </a:r>
-            <a:r>
-              <a:rPr lang="zh-CN" altLang="en-US" dirty="0"/>
-              <a:t> </a:t>
-            </a:r>
-            <a:r>
-              <a:rPr lang="en-US" altLang="zh-CN" dirty="0"/>
-              <a:t>this</a:t>
-            </a:r>
-            <a:r>
-              <a:rPr lang="zh-CN" altLang="en-US" dirty="0"/>
-              <a:t> </a:t>
-            </a:r>
-            <a:r>
-              <a:rPr lang="en-US" altLang="zh-CN" dirty="0"/>
-              <a:t>trick,</a:t>
-            </a:r>
-            <a:r>
-              <a:rPr lang="zh-CN" altLang="en-US" dirty="0"/>
-              <a:t> </a:t>
-            </a:r>
-            <a:r>
-              <a:rPr lang="en-US" altLang="zh-CN" dirty="0"/>
-              <a:t>but</a:t>
-            </a:r>
-            <a:r>
-              <a:rPr lang="zh-CN" altLang="en-US" dirty="0"/>
-              <a:t> </a:t>
-            </a:r>
-            <a:r>
-              <a:rPr lang="en-US" altLang="zh-CN" dirty="0"/>
-              <a:t>should</a:t>
-            </a:r>
-            <a:r>
-              <a:rPr lang="zh-CN" altLang="en-US" dirty="0"/>
-              <a:t> </a:t>
-            </a:r>
-            <a:r>
-              <a:rPr lang="en-US" altLang="zh-CN" dirty="0"/>
-              <a:t>implement</a:t>
-            </a:r>
-            <a:r>
-              <a:rPr lang="zh-CN" altLang="en-US" dirty="0"/>
-              <a:t> </a:t>
-            </a:r>
-            <a:r>
-              <a:rPr lang="en-US" altLang="zh-CN" dirty="0"/>
-              <a:t>the</a:t>
-            </a:r>
-            <a:r>
-              <a:rPr lang="zh-CN" altLang="en-US" dirty="0"/>
-              <a:t> </a:t>
-            </a:r>
-            <a:r>
-              <a:rPr lang="en-US" altLang="zh-CN" dirty="0"/>
-              <a:t>vanilla</a:t>
-            </a:r>
-            <a:r>
-              <a:rPr lang="zh-CN" altLang="en-US" dirty="0"/>
-              <a:t> </a:t>
-            </a:r>
-            <a:r>
-              <a:rPr lang="en-US" altLang="zh-CN" dirty="0"/>
-              <a:t>version</a:t>
-            </a:r>
-            <a:r>
-              <a:rPr lang="zh-CN" altLang="en-US" dirty="0"/>
-              <a:t> </a:t>
-            </a:r>
-            <a:r>
-              <a:rPr lang="en-US" altLang="zh-CN" dirty="0"/>
-              <a:t>as</a:t>
-            </a:r>
-            <a:r>
-              <a:rPr lang="zh-CN" altLang="en-US" dirty="0"/>
-              <a:t> </a:t>
-            </a:r>
-            <a:r>
-              <a:rPr lang="en-US" altLang="zh-CN" dirty="0"/>
-              <a:t>shown</a:t>
-            </a:r>
-            <a:r>
-              <a:rPr lang="zh-CN" altLang="en-US" dirty="0"/>
-              <a:t> </a:t>
-            </a:r>
-            <a:r>
-              <a:rPr lang="en-US" altLang="zh-CN" dirty="0"/>
-              <a:t>in</a:t>
-            </a:r>
-            <a:r>
-              <a:rPr lang="zh-CN" altLang="en-US" dirty="0"/>
-              <a:t> </a:t>
-            </a:r>
-            <a:r>
-              <a:rPr lang="en-US" altLang="zh-CN" dirty="0"/>
-              <a:t>this</a:t>
-            </a:r>
-            <a:r>
-              <a:rPr lang="zh-CN" altLang="en-US" dirty="0"/>
-              <a:t> </a:t>
-            </a:r>
-            <a:r>
-              <a:rPr lang="en-US" altLang="zh-CN" dirty="0"/>
-              <a:t>slide.</a:t>
-            </a:r>
-            <a:endParaRPr lang="en-US" dirty="0"/>
+            <a:endParaRPr lang="en-US"/>
           </a:p>
         </p:txBody>
       </p:sp>
@@ -2029,7 +1449,7 @@
           <a:p>
             <a:fld id="{A9B581A5-7285-1149-8FD8-E075D459E27D}" type="slidenum">
               <a:rPr lang="en-US" smtClean="0"/>
-              <a:t>27</a:t>
+              <a:t>26</a:t>
             </a:fld>
             <a:endParaRPr lang="en-US"/>
           </a:p>
@@ -2038,7 +1458,7 @@
     </p:spTree>
     <p:extLst>
       <p:ext uri="{BB962C8B-B14F-4D97-AF65-F5344CB8AC3E}">
-        <p14:creationId xmlns:p14="http://schemas.microsoft.com/office/powerpoint/2010/main" val="236845783"/>
+        <p14:creationId xmlns:p14="http://schemas.microsoft.com/office/powerpoint/2010/main" val="325238951"/>
       </p:ext>
     </p:extLst>
   </p:cSld>
@@ -2092,152 +1512,6 @@
           <a:bodyPr/>
           <a:lstStyle/>
           <a:p>
-            <a:r>
-              <a:rPr lang="en-US" altLang="zh-CN" dirty="0"/>
-              <a:t>A:</a:t>
-            </a:r>
-            <a:r>
-              <a:rPr lang="zh-CN" altLang="en-US" dirty="0"/>
-              <a:t> </a:t>
-            </a:r>
-            <a:r>
-              <a:rPr lang="en-US" altLang="zh-CN" dirty="0"/>
-              <a:t>it</a:t>
-            </a:r>
-            <a:r>
-              <a:rPr lang="zh-CN" altLang="en-US" dirty="0"/>
-              <a:t> </a:t>
-            </a:r>
-            <a:r>
-              <a:rPr lang="en-US" altLang="zh-CN" dirty="0"/>
-              <a:t>cannot</a:t>
-            </a:r>
-            <a:r>
-              <a:rPr lang="zh-CN" altLang="en-US" dirty="0"/>
-              <a:t> </a:t>
-            </a:r>
-            <a:r>
-              <a:rPr lang="en-US" altLang="zh-CN" dirty="0"/>
-              <a:t>create</a:t>
-            </a:r>
-            <a:r>
-              <a:rPr lang="zh-CN" altLang="en-US" dirty="0"/>
-              <a:t> </a:t>
-            </a:r>
-            <a:r>
-              <a:rPr lang="en-US" altLang="zh-CN" dirty="0"/>
-              <a:t>the</a:t>
-            </a:r>
-            <a:r>
-              <a:rPr lang="zh-CN" altLang="en-US" dirty="0"/>
-              <a:t> </a:t>
-            </a:r>
-            <a:r>
-              <a:rPr lang="en-US" altLang="zh-CN" dirty="0"/>
-              <a:t>file</a:t>
-            </a:r>
-            <a:r>
-              <a:rPr lang="zh-CN" altLang="en-US" dirty="0"/>
-              <a:t> </a:t>
-            </a:r>
-            <a:r>
-              <a:rPr lang="en-US" altLang="zh-CN" dirty="0"/>
-              <a:t>since</a:t>
-            </a:r>
-            <a:r>
-              <a:rPr lang="zh-CN" altLang="en-US" dirty="0"/>
-              <a:t> </a:t>
-            </a:r>
-            <a:r>
-              <a:rPr lang="en-US" altLang="zh-CN" dirty="0"/>
-              <a:t>g</a:t>
-            </a:r>
-            <a:r>
-              <a:rPr lang="zh-CN" altLang="en-US" dirty="0"/>
-              <a:t> </a:t>
-            </a:r>
-            <a:r>
-              <a:rPr lang="en-US" altLang="zh-CN" dirty="0"/>
-              <a:t>is</a:t>
-            </a:r>
-            <a:r>
-              <a:rPr lang="zh-CN" altLang="en-US" dirty="0"/>
-              <a:t> </a:t>
-            </a:r>
-            <a:r>
-              <a:rPr lang="en-US" altLang="zh-CN" dirty="0"/>
-              <a:t>declared,</a:t>
-            </a:r>
-            <a:r>
-              <a:rPr lang="zh-CN" altLang="en-US" dirty="0"/>
-              <a:t> </a:t>
-            </a:r>
-            <a:r>
-              <a:rPr lang="en-US" altLang="zh-CN" dirty="0"/>
-              <a:t>but</a:t>
-            </a:r>
-            <a:r>
-              <a:rPr lang="zh-CN" altLang="en-US" dirty="0"/>
-              <a:t> </a:t>
-            </a:r>
-            <a:r>
-              <a:rPr lang="en-US" altLang="zh-CN" dirty="0"/>
-              <a:t>not</a:t>
-            </a:r>
-            <a:r>
-              <a:rPr lang="zh-CN" altLang="en-US" dirty="0"/>
-              <a:t> </a:t>
-            </a:r>
-            <a:r>
-              <a:rPr lang="en-US" altLang="zh-CN" dirty="0"/>
-              <a:t>defined.</a:t>
-            </a:r>
-          </a:p>
-          <a:p>
-            <a:r>
-              <a:rPr lang="en-US" altLang="zh-CN" dirty="0"/>
-              <a:t>G:</a:t>
-            </a:r>
-            <a:r>
-              <a:rPr lang="zh-CN" altLang="en-US" dirty="0"/>
-              <a:t> </a:t>
-            </a:r>
-            <a:r>
-              <a:rPr lang="en-US" altLang="zh-CN" dirty="0"/>
-              <a:t>they</a:t>
-            </a:r>
-            <a:r>
-              <a:rPr lang="zh-CN" altLang="en-US" dirty="0"/>
-              <a:t> </a:t>
-            </a:r>
-            <a:r>
-              <a:rPr lang="en-US" altLang="zh-CN" dirty="0"/>
-              <a:t>are</a:t>
-            </a:r>
-            <a:r>
-              <a:rPr lang="zh-CN" altLang="en-US" dirty="0"/>
-              <a:t> </a:t>
-            </a:r>
-            <a:r>
-              <a:rPr lang="en-US" altLang="zh-CN" dirty="0"/>
-              <a:t>in</a:t>
-            </a:r>
-            <a:r>
-              <a:rPr lang="zh-CN" altLang="en-US" dirty="0"/>
-              <a:t> </a:t>
-            </a:r>
-            <a:r>
-              <a:rPr lang="en-US" altLang="zh-CN" dirty="0"/>
-              <a:t>different</a:t>
-            </a:r>
-            <a:r>
-              <a:rPr lang="zh-CN" altLang="en-US" dirty="0"/>
-              <a:t> </a:t>
-            </a:r>
-            <a:r>
-              <a:rPr lang="en-US" altLang="zh-CN" dirty="0"/>
-              <a:t>files</a:t>
-            </a:r>
             <a:endParaRPr lang="en-US" dirty="0"/>
           </a:p>
         </p:txBody>
@@ -2322,471 +1596,91 @@
           <a:bodyPr/>
           <a:lstStyle/>
           <a:p>
-            <a:r>
-              <a:rPr lang="en-US"/>
-              <a:t>When initialize a list, put two</a:t>
-            </a:r>
-            <a:r>
-              <a:rPr lang="zh-CN" altLang="en-US"/>
-              <a:t> </a:t>
-            </a:r>
-            <a:r>
-              <a:rPr lang="en-US" altLang="zh-CN"/>
-              <a:t>dummy</a:t>
-            </a:r>
-            <a:r>
-              <a:rPr lang="en-US"/>
-              <a:t> nodes with minimum data and maximum data</a:t>
-            </a:r>
-            <a:r>
-              <a:rPr lang="en-US" altLang="zh-CN"/>
-              <a:t>.</a:t>
-            </a:r>
-            <a:r>
-              <a:rPr lang="zh-CN" altLang="en-US"/>
-              <a:t> </a:t>
-            </a:r>
-            <a:r>
-              <a:rPr lang="en-US" altLang="zh-CN"/>
-              <a:t>This</a:t>
-            </a:r>
-            <a:r>
-              <a:rPr lang="zh-CN" altLang="en-US"/>
-              <a:t> </a:t>
-            </a:r>
-            <a:r>
-              <a:rPr lang="en-US" altLang="zh-CN"/>
-              <a:t>way,</a:t>
-            </a:r>
-            <a:r>
-              <a:rPr lang="zh-CN" altLang="en-US"/>
-              <a:t> </a:t>
-            </a:r>
-            <a:r>
-              <a:rPr lang="en-US" altLang="zh-CN"/>
-              <a:t>the</a:t>
-            </a:r>
-            <a:r>
-              <a:rPr lang="zh-CN" altLang="en-US"/>
-              <a:t> </a:t>
-            </a:r>
-            <a:r>
-              <a:rPr lang="en-US" altLang="zh-CN"/>
-              <a:t>list</a:t>
-            </a:r>
-            <a:r>
-              <a:rPr lang="zh-CN" altLang="en-US"/>
-              <a:t> </a:t>
-            </a:r>
-            <a:r>
-              <a:rPr lang="en-US" altLang="zh-CN"/>
-              <a:t>is</a:t>
-            </a:r>
-            <a:r>
-              <a:rPr lang="zh-CN" altLang="en-US"/>
-              <a:t> </a:t>
-            </a:r>
-            <a:r>
-              <a:rPr lang="en-US" altLang="zh-CN"/>
-              <a:t>always</a:t>
-            </a:r>
-            <a:r>
-              <a:rPr lang="zh-CN" altLang="en-US"/>
-              <a:t> </a:t>
-            </a:r>
-            <a:r>
-              <a:rPr lang="en-US" altLang="zh-CN"/>
-              <a:t>non-empty,</a:t>
-            </a:r>
-            <a:r>
-              <a:rPr lang="zh-CN" altLang="en-US"/>
-              <a:t> </a:t>
-            </a:r>
-            <a:r>
-              <a:rPr lang="en-US" altLang="zh-CN"/>
-              <a:t>and</a:t>
-            </a:r>
-            <a:r>
-              <a:rPr lang="zh-CN" altLang="en-US"/>
-              <a:t> </a:t>
-            </a:r>
-            <a:r>
-              <a:rPr lang="en-US" altLang="zh-CN"/>
-              <a:t>there</a:t>
-            </a:r>
-            <a:r>
-              <a:rPr lang="zh-CN" altLang="en-US"/>
-              <a:t> </a:t>
-            </a:r>
-            <a:r>
-              <a:rPr lang="en-US" altLang="zh-CN"/>
-              <a:t>is</a:t>
-            </a:r>
-            <a:r>
-              <a:rPr lang="zh-CN" altLang="en-US"/>
-              <a:t> </a:t>
-            </a:r>
-            <a:r>
-              <a:rPr lang="en-US" altLang="zh-CN"/>
-              <a:t>never</a:t>
-            </a:r>
-            <a:r>
-              <a:rPr lang="zh-CN" altLang="en-US"/>
-              <a:t> </a:t>
-            </a:r>
-            <a:r>
-              <a:rPr lang="en-US" altLang="zh-CN"/>
-              <a:t>a</a:t>
-            </a:r>
-            <a:r>
-              <a:rPr lang="zh-CN" altLang="en-US"/>
-              <a:t> </a:t>
-            </a:r>
-            <a:r>
-              <a:rPr lang="en-US" altLang="zh-CN"/>
-              <a:t>node</a:t>
-            </a:r>
-            <a:r>
-              <a:rPr lang="zh-CN" altLang="en-US"/>
-              <a:t> </a:t>
-            </a:r>
-            <a:r>
-              <a:rPr lang="en-US" altLang="zh-CN"/>
-              <a:t>smaller/larger</a:t>
-            </a:r>
-            <a:r>
-              <a:rPr lang="zh-CN" altLang="en-US"/>
-              <a:t> </a:t>
-            </a:r>
-            <a:r>
-              <a:rPr lang="en-US" altLang="zh-CN"/>
-              <a:t>than</a:t>
-            </a:r>
-            <a:r>
-              <a:rPr lang="zh-CN" altLang="en-US"/>
-              <a:t> </a:t>
-            </a:r>
-            <a:r>
-              <a:rPr lang="en-US" altLang="zh-CN"/>
-              <a:t>head</a:t>
-            </a:r>
-            <a:r>
-              <a:rPr lang="zh-CN" altLang="en-US"/>
-              <a:t> </a:t>
-            </a:r>
-            <a:r>
-              <a:rPr lang="en-US" altLang="zh-CN"/>
-              <a:t>node.</a:t>
-            </a:r>
-            <a:r>
-              <a:rPr lang="zh-CN" altLang="en-US"/>
-              <a:t> </a:t>
-            </a:r>
-            <a:r>
-              <a:rPr lang="en-US" altLang="zh-CN"/>
-              <a:t>Thus</a:t>
-            </a:r>
-            <a:r>
-              <a:rPr lang="zh-CN" altLang="en-US"/>
-              <a:t> </a:t>
-            </a:r>
-            <a:r>
-              <a:rPr lang="en-US" altLang="zh-CN"/>
-              <a:t>we</a:t>
-            </a:r>
-            <a:r>
-              <a:rPr lang="zh-CN" altLang="en-US"/>
-              <a:t> </a:t>
-            </a:r>
-            <a:r>
-              <a:rPr lang="en-US" altLang="zh-CN"/>
-              <a:t>reduce</a:t>
-            </a:r>
-            <a:r>
-              <a:rPr lang="zh-CN" altLang="en-US"/>
-              <a:t> </a:t>
-            </a:r>
-            <a:r>
-              <a:rPr lang="en-US" altLang="zh-CN"/>
-              <a:t>to</a:t>
-            </a:r>
-            <a:r>
-              <a:rPr lang="zh-CN" altLang="en-US"/>
-              <a:t> </a:t>
-            </a:r>
-            <a:r>
-              <a:rPr lang="en-US" altLang="zh-CN"/>
-              <a:t>only</a:t>
-            </a:r>
-            <a:r>
-              <a:rPr lang="zh-CN" altLang="en-US"/>
-              <a:t> </a:t>
-            </a:r>
-            <a:r>
-              <a:rPr lang="en-US" altLang="zh-CN"/>
-              <a:t>have</a:t>
-            </a:r>
-            <a:r>
-              <a:rPr lang="zh-CN" altLang="en-US"/>
-              <a:t> </a:t>
-            </a:r>
-            <a:r>
-              <a:rPr lang="en-US" altLang="zh-CN"/>
-              <a:t>the</a:t>
-            </a:r>
-            <a:r>
-              <a:rPr lang="zh-CN" altLang="en-US"/>
-              <a:t> </a:t>
-            </a:r>
-            <a:r>
-              <a:rPr lang="en-US" altLang="zh-CN"/>
-              <a:t>3</a:t>
-            </a:r>
-            <a:r>
-              <a:rPr lang="en-US" altLang="zh-CN" baseline="30000"/>
-              <a:t>rd</a:t>
-            </a:r>
-            <a:r>
-              <a:rPr lang="zh-CN" altLang="en-US"/>
-              <a:t> </a:t>
-            </a:r>
-            <a:r>
-              <a:rPr lang="en-US" altLang="zh-CN"/>
-              <a:t>case.</a:t>
-            </a:r>
-            <a:r>
-              <a:rPr lang="zh-CN" altLang="en-US"/>
-              <a:t> </a:t>
-            </a:r>
-            <a:r>
-              <a:rPr lang="en-US" altLang="zh-CN"/>
-              <a:t>You</a:t>
-            </a:r>
-            <a:r>
-              <a:rPr lang="zh-CN" altLang="en-US"/>
-              <a:t> </a:t>
-            </a:r>
-            <a:r>
-              <a:rPr lang="en-US" altLang="zh-CN"/>
-              <a:t>can</a:t>
-            </a:r>
-            <a:r>
-              <a:rPr lang="zh-CN" altLang="en-US"/>
-              <a:t> </a:t>
-            </a:r>
-            <a:r>
-              <a:rPr lang="en-US" altLang="zh-CN"/>
-              <a:t>search</a:t>
-            </a:r>
-            <a:r>
-              <a:rPr lang="zh-CN" altLang="en-US"/>
-              <a:t> </a:t>
-            </a:r>
-            <a:r>
-              <a:rPr lang="en-US" altLang="zh-CN"/>
-              <a:t>for</a:t>
-            </a:r>
-            <a:r>
-              <a:rPr lang="zh-CN" altLang="en-US"/>
-              <a:t> </a:t>
-            </a:r>
-            <a:r>
-              <a:rPr lang="en-US" altLang="zh-CN"/>
-              <a:t>sentinel</a:t>
-            </a:r>
-            <a:r>
-              <a:rPr lang="zh-CN" altLang="en-US"/>
-              <a:t> </a:t>
-            </a:r>
-            <a:r>
-              <a:rPr lang="en-US" altLang="zh-CN"/>
-              <a:t>node</a:t>
-            </a:r>
-            <a:r>
-              <a:rPr lang="zh-CN" altLang="en-US"/>
-              <a:t> </a:t>
-            </a:r>
-            <a:r>
-              <a:rPr lang="en-US" altLang="zh-CN"/>
-              <a:t>for</a:t>
-            </a:r>
-            <a:r>
-              <a:rPr lang="zh-CN" altLang="en-US"/>
-              <a:t> </a:t>
-            </a:r>
-            <a:r>
-              <a:rPr lang="en-US" altLang="zh-CN"/>
-              <a:t>detail.</a:t>
-            </a:r>
-            <a:r>
-              <a:rPr lang="zh-CN" altLang="en-US"/>
-              <a:t> </a:t>
-            </a:r>
-            <a:r>
-              <a:rPr lang="en-US" altLang="zh-CN"/>
-              <a:t>However,</a:t>
-            </a:r>
-            <a:r>
-              <a:rPr lang="zh-CN" altLang="en-US"/>
-              <a:t> </a:t>
-            </a:r>
-            <a:r>
-              <a:rPr lang="en-US" altLang="zh-CN"/>
-              <a:t>in</a:t>
-            </a:r>
-            <a:r>
-              <a:rPr lang="zh-CN" altLang="en-US"/>
-              <a:t> </a:t>
-            </a:r>
-            <a:r>
-              <a:rPr lang="en-US" altLang="zh-CN"/>
-              <a:t>your</a:t>
-            </a:r>
-            <a:r>
-              <a:rPr lang="zh-CN" altLang="en-US"/>
-              <a:t> </a:t>
-            </a:r>
-            <a:r>
-              <a:rPr lang="en-US" altLang="zh-CN"/>
-              <a:t>lab</a:t>
-            </a:r>
-            <a:r>
-              <a:rPr lang="zh-CN" altLang="en-US"/>
-              <a:t> </a:t>
-            </a:r>
-            <a:r>
-              <a:rPr lang="en-US" altLang="zh-CN"/>
-              <a:t>you</a:t>
-            </a:r>
-            <a:r>
-              <a:rPr lang="zh-CN" altLang="en-US"/>
-              <a:t> </a:t>
-            </a:r>
-            <a:r>
-              <a:rPr lang="en-US" altLang="zh-CN"/>
-              <a:t>should</a:t>
-            </a:r>
-            <a:r>
-              <a:rPr lang="zh-CN" altLang="en-US"/>
-              <a:t>  </a:t>
-            </a:r>
-            <a:r>
-              <a:rPr lang="en-US" altLang="zh-CN"/>
-              <a:t>not</a:t>
-            </a:r>
-            <a:r>
-              <a:rPr lang="zh-CN" altLang="en-US"/>
-              <a:t> </a:t>
-            </a:r>
-            <a:r>
-              <a:rPr lang="en-US" altLang="zh-CN"/>
-              <a:t>use</a:t>
-            </a:r>
-            <a:r>
-              <a:rPr lang="zh-CN" altLang="en-US"/>
-              <a:t> </a:t>
-            </a:r>
-            <a:r>
-              <a:rPr lang="en-US" altLang="zh-CN"/>
-              <a:t>this</a:t>
-            </a:r>
-            <a:r>
-              <a:rPr lang="zh-CN" altLang="en-US"/>
-              <a:t> </a:t>
-            </a:r>
-            <a:r>
-              <a:rPr lang="en-US" altLang="zh-CN"/>
-              <a:t>trick,</a:t>
-            </a:r>
-            <a:r>
-              <a:rPr lang="zh-CN" altLang="en-US"/>
-              <a:t> </a:t>
-            </a:r>
-            <a:r>
-              <a:rPr lang="en-US" altLang="zh-CN"/>
-              <a:t>but</a:t>
-            </a:r>
-            <a:r>
-              <a:rPr lang="zh-CN" altLang="en-US"/>
-              <a:t> </a:t>
-            </a:r>
-            <a:r>
-              <a:rPr lang="en-US" altLang="zh-CN"/>
-              <a:t>should</a:t>
-            </a:r>
-            <a:r>
-              <a:rPr lang="zh-CN" altLang="en-US"/>
-              <a:t> </a:t>
-            </a:r>
-            <a:r>
-              <a:rPr lang="en-US" altLang="zh-CN"/>
-              <a:t>implement</a:t>
-            </a:r>
-            <a:r>
-              <a:rPr lang="zh-CN" altLang="en-US"/>
-              <a:t> </a:t>
-            </a:r>
-            <a:r>
-              <a:rPr lang="en-US" altLang="zh-CN"/>
-              <a:t>the</a:t>
-            </a:r>
-            <a:r>
-              <a:rPr lang="zh-CN" altLang="en-US"/>
-              <a:t> </a:t>
-            </a:r>
-            <a:r>
-              <a:rPr lang="en-US" altLang="zh-CN"/>
-              <a:t>vanilla</a:t>
-            </a:r>
-            <a:r>
-              <a:rPr lang="zh-CN" altLang="en-US"/>
-              <a:t> </a:t>
-            </a:r>
-            <a:r>
-              <a:rPr lang="en-US" altLang="zh-CN"/>
-              <a:t>version</a:t>
-            </a:r>
-            <a:r>
-              <a:rPr lang="zh-CN" altLang="en-US"/>
-              <a:t> </a:t>
-            </a:r>
-            <a:r>
-              <a:rPr lang="en-US" altLang="zh-CN"/>
-              <a:t>as</a:t>
-            </a:r>
-            <a:r>
-              <a:rPr lang="zh-CN" altLang="en-US"/>
-              <a:t> </a:t>
-            </a:r>
-            <a:r>
-              <a:rPr lang="en-US" altLang="zh-CN"/>
-              <a:t>shown</a:t>
-            </a:r>
-            <a:r>
-              <a:rPr lang="zh-CN" altLang="en-US"/>
-              <a:t> </a:t>
-            </a:r>
-            <a:r>
-              <a:rPr lang="en-US" altLang="zh-CN"/>
-              <a:t>in</a:t>
-            </a:r>
-            <a:r>
-              <a:rPr lang="zh-CN" altLang="en-US"/>
-              <a:t> </a:t>
-            </a:r>
-            <a:r>
-              <a:rPr lang="en-US" altLang="zh-CN"/>
-              <a:t>this</a:t>
-            </a:r>
-            <a:r>
-              <a:rPr lang="zh-CN" altLang="en-US"/>
-              <a:t> </a:t>
-            </a:r>
-            <a:r>
-              <a:rPr lang="en-US" altLang="zh-CN"/>
-              <a:t>slide.</a:t>
-            </a:r>
+            <a:endParaRPr lang="en-US" dirty="0"/>
+          </a:p>
+        </p:txBody>
+      </p:sp>
+      <p:sp>
+        <p:nvSpPr>
+          <p:cNvPr id="4" name="Slide Number Placeholder 3"/>
+          <p:cNvSpPr>
+            <a:spLocks noGrp="1"/>
+          </p:cNvSpPr>
+          <p:nvPr>
+            <p:ph type="sldNum" sz="quarter" idx="10"/>
+          </p:nvPr>
+        </p:nvSpPr>
+        <p:spPr/>
+        <p:txBody>
+          <a:bodyPr/>
+          <a:lstStyle/>
+          <a:p>
+            <a:fld id="{A9B581A5-7285-1149-8FD8-E075D459E27D}" type="slidenum">
+              <a:rPr lang="en-US" smtClean="0"/>
+              <a:t>27</a:t>
+            </a:fld>
             <a:endParaRPr lang="en-US"/>
+          </a:p>
+        </p:txBody>
+      </p:sp>
+    </p:spTree>
+    <p:extLst>
+      <p:ext uri="{BB962C8B-B14F-4D97-AF65-F5344CB8AC3E}">
+        <p14:creationId xmlns:p14="http://schemas.microsoft.com/office/powerpoint/2010/main" val="236845783"/>
+      </p:ext>
+    </p:extLst>
+  </p:cSld>
+  <p:clrMapOvr>
+    <a:masterClrMapping/>
+  </p:clrMapOvr>
+</p:notes>
+</file>
+
+<file path=ppt/notesSlides/notesSlide21.xml><?xml version="1.0" encoding="utf-8"?>
+<p:notes xmlns:a="http://schemas.openxmlformats.org/drawingml/2006/main" xmlns:r="http://schemas.openxmlformats.org/officeDocument/2006/relationships" xmlns:p="http://schemas.openxmlformats.org/presentationml/2006/main">
+  <p:cSld>
+    <p:spTree>
+      <p:nvGrpSpPr>
+        <p:cNvPr id="1" name=""/>
+        <p:cNvGrpSpPr/>
+        <p:nvPr/>
+      </p:nvGrpSpPr>
+      <p:grpSpPr>
+        <a:xfrm>
+          <a:off x="0" y="0"/>
+          <a:ext cx="0" cy="0"/>
+          <a:chOff x="0" y="0"/>
+          <a:chExt cx="0" cy="0"/>
+        </a:xfrm>
+      </p:grpSpPr>
+      <p:sp>
+        <p:nvSpPr>
+          <p:cNvPr id="2" name="Slide Image Placeholder 1"/>
+          <p:cNvSpPr>
+            <a:spLocks noGrp="1" noRot="1" noChangeAspect="1"/>
+          </p:cNvSpPr>
+          <p:nvPr>
+            <p:ph type="sldImg"/>
+          </p:nvPr>
+        </p:nvSpPr>
+        <p:spPr/>
+      </p:sp>
+      <p:sp>
+        <p:nvSpPr>
+          <p:cNvPr id="3" name="Notes Placeholder 2"/>
+          <p:cNvSpPr>
+            <a:spLocks noGrp="1"/>
+          </p:cNvSpPr>
+          <p:nvPr>
+            <p:ph type="body" idx="1"/>
+          </p:nvPr>
+        </p:nvSpPr>
+        <p:spPr/>
+        <p:txBody>
+          <a:bodyPr/>
+          <a:lstStyle/>
+          <a:p>
+            <a:endParaRPr lang="en-US" dirty="0"/>
           </a:p>
         </p:txBody>
       </p:sp>
@@ -2826,7 +1720,7 @@
 </p:notes>
 </file>
 
-<file path=ppt/notesSlides/notesSlide21.xml><?xml version="1.0" encoding="utf-8"?>
+<file path=ppt/notesSlides/notesSlide22.xml><?xml version="1.0" encoding="utf-8"?>
 <p:notes xmlns:a="http://schemas.openxmlformats.org/drawingml/2006/main" xmlns:r="http://schemas.openxmlformats.org/officeDocument/2006/relationships" xmlns:p="http://schemas.openxmlformats.org/presentationml/2006/main">
   <p:cSld>
     <p:spTree>
@@ -2954,160 +1848,6 @@
           <a:bodyPr/>
           <a:lstStyle/>
           <a:p>
-            <a:r>
-              <a:rPr lang="en-US" altLang="zh-CN" dirty="0"/>
-              <a:t>A</a:t>
-            </a:r>
-            <a:r>
-              <a:rPr lang="zh-CN" altLang="en-US" dirty="0"/>
-              <a:t> </a:t>
-            </a:r>
-            <a:r>
-              <a:rPr lang="en-US" altLang="zh-CN" dirty="0"/>
-              <a:t>B:</a:t>
-            </a:r>
-            <a:r>
-              <a:rPr lang="zh-CN" altLang="en-US" dirty="0"/>
-              <a:t> </a:t>
-            </a:r>
-            <a:r>
-              <a:rPr lang="en-US" altLang="zh-CN" dirty="0"/>
-              <a:t>Two</a:t>
-            </a:r>
-            <a:r>
-              <a:rPr lang="zh-CN" altLang="en-US" dirty="0"/>
-              <a:t> </a:t>
-            </a:r>
-            <a:r>
-              <a:rPr lang="en-US" altLang="zh-CN" dirty="0"/>
-              <a:t>different</a:t>
-            </a:r>
-            <a:r>
-              <a:rPr lang="zh-CN" altLang="en-US" dirty="0"/>
-              <a:t> </a:t>
-            </a:r>
-            <a:r>
-              <a:rPr lang="en-US" altLang="zh-CN" dirty="0"/>
-              <a:t>variables:</a:t>
-            </a:r>
-            <a:r>
-              <a:rPr lang="zh-CN" altLang="en-US" dirty="0"/>
-              <a:t> </a:t>
-            </a:r>
-            <a:r>
-              <a:rPr lang="en-US" altLang="zh-CN" dirty="0"/>
-              <a:t>the</a:t>
-            </a:r>
-            <a:r>
-              <a:rPr lang="zh-CN" altLang="en-US" dirty="0"/>
-              <a:t> </a:t>
-            </a:r>
-            <a:r>
-              <a:rPr lang="en-US" altLang="zh-CN" dirty="0"/>
-              <a:t>scope</a:t>
-            </a:r>
-            <a:r>
-              <a:rPr lang="zh-CN" altLang="en-US" dirty="0"/>
-              <a:t> </a:t>
-            </a:r>
-            <a:r>
-              <a:rPr lang="en-US" altLang="zh-CN" dirty="0"/>
-              <a:t>is</a:t>
-            </a:r>
-            <a:r>
-              <a:rPr lang="zh-CN" altLang="en-US" dirty="0"/>
-              <a:t> </a:t>
-            </a:r>
-            <a:r>
-              <a:rPr lang="en-US" altLang="zh-CN" dirty="0"/>
-              <a:t>different</a:t>
-            </a:r>
-          </a:p>
-          <a:p>
-            <a:r>
-              <a:rPr lang="en-US" altLang="zh-CN" dirty="0"/>
-              <a:t>C:</a:t>
-            </a:r>
-            <a:r>
-              <a:rPr lang="zh-CN" altLang="en-US" dirty="0"/>
-              <a:t> </a:t>
-            </a:r>
-            <a:r>
-              <a:rPr lang="en-US" altLang="zh-CN" dirty="0"/>
-              <a:t>a</a:t>
-            </a:r>
-            <a:r>
-              <a:rPr lang="zh-CN" altLang="en-US" dirty="0"/>
-              <a:t> </a:t>
-            </a:r>
-            <a:r>
-              <a:rPr lang="en-US" altLang="zh-CN" dirty="0"/>
-              <a:t>static</a:t>
-            </a:r>
-            <a:r>
-              <a:rPr lang="zh-CN" altLang="en-US" dirty="0"/>
-              <a:t> </a:t>
-            </a:r>
-            <a:r>
-              <a:rPr lang="en-US" altLang="zh-CN" dirty="0"/>
-              <a:t>variable</a:t>
-            </a:r>
-            <a:r>
-              <a:rPr lang="zh-CN" altLang="en-US" dirty="0"/>
-              <a:t> </a:t>
-            </a:r>
-            <a:r>
-              <a:rPr lang="en-US" altLang="zh-CN" dirty="0"/>
-              <a:t>cannot</a:t>
-            </a:r>
-            <a:r>
-              <a:rPr lang="zh-CN" altLang="en-US" dirty="0"/>
-              <a:t> </a:t>
-            </a:r>
-            <a:r>
-              <a:rPr lang="en-US" altLang="zh-CN" dirty="0"/>
-              <a:t>be</a:t>
-            </a:r>
-            <a:r>
-              <a:rPr lang="zh-CN" altLang="en-US" dirty="0"/>
-              <a:t> </a:t>
-            </a:r>
-            <a:r>
-              <a:rPr lang="en-US" altLang="zh-CN" dirty="0"/>
-              <a:t>referred</a:t>
-            </a:r>
-            <a:r>
-              <a:rPr lang="zh-CN" altLang="en-US" dirty="0"/>
-              <a:t> </a:t>
-            </a:r>
-            <a:r>
-              <a:rPr lang="en-US" altLang="zh-CN" dirty="0"/>
-              <a:t>from</a:t>
-            </a:r>
-            <a:r>
-              <a:rPr lang="zh-CN" altLang="en-US" dirty="0"/>
-              <a:t> </a:t>
-            </a:r>
-            <a:r>
-              <a:rPr lang="en-US" altLang="zh-CN" dirty="0"/>
-              <a:t>a</a:t>
-            </a:r>
-            <a:r>
-              <a:rPr lang="zh-CN" altLang="en-US" dirty="0"/>
-              <a:t> </a:t>
-            </a:r>
-            <a:r>
-              <a:rPr lang="en-US" altLang="zh-CN" dirty="0"/>
-              <a:t>different</a:t>
-            </a:r>
-            <a:r>
-              <a:rPr lang="zh-CN" altLang="en-US" dirty="0"/>
-              <a:t> </a:t>
-            </a:r>
-            <a:r>
-              <a:rPr lang="en-US" altLang="zh-CN" dirty="0"/>
-              <a:t>file</a:t>
-            </a:r>
             <a:endParaRPr lang="en-US" dirty="0"/>
           </a:p>
         </p:txBody>
@@ -3192,348 +1932,6 @@
           <a:bodyPr/>
           <a:lstStyle/>
           <a:p>
-            <a:r>
-              <a:rPr lang="en-US" altLang="zh-CN" dirty="0"/>
-              <a:t>A:</a:t>
-            </a:r>
-            <a:r>
-              <a:rPr lang="zh-CN" altLang="en-US" dirty="0"/>
-              <a:t> </a:t>
-            </a:r>
-            <a:r>
-              <a:rPr lang="en-US" altLang="zh-CN" dirty="0"/>
-              <a:t>static</a:t>
-            </a:r>
-            <a:r>
-              <a:rPr lang="zh-CN" altLang="en-US" dirty="0"/>
-              <a:t> </a:t>
-            </a:r>
-            <a:r>
-              <a:rPr lang="en-US" altLang="zh-CN" dirty="0"/>
-              <a:t>variable</a:t>
-            </a:r>
-            <a:r>
-              <a:rPr lang="zh-CN" altLang="en-US" dirty="0"/>
-              <a:t> </a:t>
-            </a:r>
-            <a:r>
-              <a:rPr lang="en-US" altLang="zh-CN" dirty="0"/>
-              <a:t>is</a:t>
-            </a:r>
-            <a:r>
-              <a:rPr lang="zh-CN" altLang="en-US" dirty="0"/>
-              <a:t> </a:t>
-            </a:r>
-            <a:r>
-              <a:rPr lang="en-US" altLang="zh-CN" dirty="0"/>
-              <a:t>allocated</a:t>
-            </a:r>
-            <a:r>
-              <a:rPr lang="zh-CN" altLang="en-US" dirty="0"/>
-              <a:t> </a:t>
-            </a:r>
-            <a:r>
-              <a:rPr lang="en-US" altLang="zh-CN" dirty="0"/>
-              <a:t>at</a:t>
-            </a:r>
-            <a:r>
-              <a:rPr lang="zh-CN" altLang="en-US" dirty="0"/>
-              <a:t> </a:t>
-            </a:r>
-            <a:r>
-              <a:rPr lang="en-US" altLang="zh-CN" dirty="0"/>
-              <a:t>the</a:t>
-            </a:r>
-            <a:r>
-              <a:rPr lang="zh-CN" altLang="en-US" dirty="0"/>
-              <a:t> </a:t>
-            </a:r>
-            <a:r>
-              <a:rPr lang="en-US" altLang="zh-CN" dirty="0"/>
-              <a:t>first</a:t>
-            </a:r>
-            <a:r>
-              <a:rPr lang="zh-CN" altLang="en-US" dirty="0"/>
-              <a:t> </a:t>
-            </a:r>
-            <a:r>
-              <a:rPr lang="en-US" altLang="zh-CN" dirty="0"/>
-              <a:t>invocation,</a:t>
-            </a:r>
-            <a:r>
-              <a:rPr lang="zh-CN" altLang="en-US" dirty="0"/>
-              <a:t> </a:t>
-            </a:r>
-            <a:r>
-              <a:rPr lang="en-US" altLang="zh-CN" dirty="0"/>
-              <a:t>and</a:t>
-            </a:r>
-            <a:r>
-              <a:rPr lang="zh-CN" altLang="en-US" dirty="0"/>
-              <a:t> </a:t>
-            </a:r>
-            <a:r>
-              <a:rPr lang="en-US" altLang="zh-CN" dirty="0"/>
-              <a:t>it</a:t>
-            </a:r>
-            <a:r>
-              <a:rPr lang="zh-CN" altLang="en-US" dirty="0"/>
-              <a:t> </a:t>
-            </a:r>
-            <a:r>
-              <a:rPr lang="en-US" altLang="zh-CN" dirty="0"/>
-              <a:t>wouldn’t</a:t>
-            </a:r>
-            <a:r>
-              <a:rPr lang="zh-CN" altLang="en-US" dirty="0"/>
-              <a:t> </a:t>
-            </a:r>
-            <a:r>
-              <a:rPr lang="en-US" altLang="zh-CN" dirty="0"/>
-              <a:t>be</a:t>
-            </a:r>
-            <a:r>
-              <a:rPr lang="zh-CN" altLang="en-US" dirty="0"/>
-              <a:t> </a:t>
-            </a:r>
-            <a:r>
-              <a:rPr lang="en-US" altLang="zh-CN" dirty="0"/>
-              <a:t>de-allocated</a:t>
-            </a:r>
-          </a:p>
-          <a:p>
-            <a:r>
-              <a:rPr lang="en-US" altLang="zh-CN" dirty="0"/>
-              <a:t>B:</a:t>
-            </a:r>
-            <a:r>
-              <a:rPr lang="zh-CN" altLang="en-US" dirty="0"/>
-              <a:t> </a:t>
-            </a:r>
-            <a:r>
-              <a:rPr lang="en-US" altLang="zh-CN" dirty="0"/>
-              <a:t>it</a:t>
-            </a:r>
-            <a:r>
-              <a:rPr lang="zh-CN" altLang="en-US" dirty="0"/>
-              <a:t> </a:t>
-            </a:r>
-            <a:r>
-              <a:rPr lang="en-US" altLang="zh-CN" dirty="0"/>
-              <a:t>will</a:t>
-            </a:r>
-            <a:r>
-              <a:rPr lang="zh-CN" altLang="en-US" dirty="0"/>
-              <a:t> </a:t>
-            </a:r>
-            <a:r>
-              <a:rPr lang="en-US" altLang="zh-CN" dirty="0"/>
-              <a:t>be</a:t>
-            </a:r>
-            <a:r>
-              <a:rPr lang="zh-CN" altLang="en-US" dirty="0"/>
-              <a:t> </a:t>
-            </a:r>
-            <a:r>
-              <a:rPr lang="en-US" altLang="zh-CN" dirty="0"/>
-              <a:t>de-allocated</a:t>
-            </a:r>
-            <a:r>
-              <a:rPr lang="zh-CN" altLang="en-US" dirty="0"/>
-              <a:t> </a:t>
-            </a:r>
-            <a:r>
-              <a:rPr lang="en-US" altLang="zh-CN" dirty="0"/>
-              <a:t>each</a:t>
-            </a:r>
-            <a:r>
-              <a:rPr lang="zh-CN" altLang="en-US" dirty="0"/>
-              <a:t> </a:t>
-            </a:r>
-            <a:r>
-              <a:rPr lang="en-US" altLang="zh-CN" dirty="0"/>
-              <a:t>time</a:t>
-            </a:r>
-            <a:r>
-              <a:rPr lang="zh-CN" altLang="en-US" dirty="0"/>
-              <a:t> </a:t>
-            </a:r>
-            <a:r>
-              <a:rPr lang="en-US" altLang="zh-CN" dirty="0"/>
-              <a:t>when</a:t>
-            </a:r>
-            <a:r>
-              <a:rPr lang="zh-CN" altLang="en-US" dirty="0"/>
-              <a:t> </a:t>
-            </a:r>
-            <a:r>
-              <a:rPr lang="en-US" altLang="zh-CN" dirty="0"/>
-              <a:t>the</a:t>
-            </a:r>
-            <a:r>
-              <a:rPr lang="zh-CN" altLang="en-US" dirty="0"/>
-              <a:t> </a:t>
-            </a:r>
-            <a:r>
-              <a:rPr lang="en-US" altLang="zh-CN" dirty="0"/>
-              <a:t>function</a:t>
-            </a:r>
-            <a:r>
-              <a:rPr lang="zh-CN" altLang="en-US" dirty="0"/>
-              <a:t> </a:t>
-            </a:r>
-            <a:r>
-              <a:rPr lang="en-US" altLang="zh-CN" dirty="0"/>
-              <a:t>returns</a:t>
-            </a:r>
-          </a:p>
-          <a:p>
-            <a:r>
-              <a:rPr lang="en-US" altLang="zh-CN" dirty="0"/>
-              <a:t>C:</a:t>
-            </a:r>
-            <a:r>
-              <a:rPr lang="zh-CN" altLang="en-US" dirty="0"/>
-              <a:t> </a:t>
-            </a:r>
-            <a:r>
-              <a:rPr lang="en-US" altLang="zh-CN" dirty="0"/>
-              <a:t>the</a:t>
-            </a:r>
-            <a:r>
-              <a:rPr lang="zh-CN" altLang="en-US" dirty="0"/>
-              <a:t> </a:t>
-            </a:r>
-            <a:r>
-              <a:rPr lang="en-US" altLang="zh-CN" dirty="0"/>
-              <a:t>value</a:t>
-            </a:r>
-            <a:r>
-              <a:rPr lang="zh-CN" altLang="en-US" dirty="0"/>
-              <a:t> </a:t>
-            </a:r>
-            <a:r>
-              <a:rPr lang="en-US" altLang="zh-CN" dirty="0"/>
-              <a:t>of</a:t>
-            </a:r>
-            <a:r>
-              <a:rPr lang="zh-CN" altLang="en-US" dirty="0"/>
-              <a:t> </a:t>
-            </a:r>
-            <a:r>
-              <a:rPr lang="en-US" altLang="zh-CN" dirty="0"/>
-              <a:t>c1</a:t>
-            </a:r>
-            <a:r>
-              <a:rPr lang="zh-CN" altLang="en-US" dirty="0"/>
-              <a:t> </a:t>
-            </a:r>
-            <a:r>
-              <a:rPr lang="en-US" altLang="zh-CN" dirty="0"/>
-              <a:t>will</a:t>
-            </a:r>
-            <a:r>
-              <a:rPr lang="zh-CN" altLang="en-US" dirty="0"/>
-              <a:t> </a:t>
-            </a:r>
-            <a:r>
-              <a:rPr lang="en-US" altLang="zh-CN" dirty="0"/>
-              <a:t>be</a:t>
-            </a:r>
-            <a:r>
-              <a:rPr lang="zh-CN" altLang="en-US" dirty="0"/>
-              <a:t> </a:t>
-            </a:r>
-            <a:r>
-              <a:rPr lang="en-US" altLang="zh-CN" dirty="0"/>
-              <a:t>added</a:t>
-            </a:r>
-            <a:r>
-              <a:rPr lang="zh-CN" altLang="en-US" dirty="0"/>
-              <a:t> </a:t>
-            </a:r>
-            <a:r>
-              <a:rPr lang="en-US" altLang="zh-CN" dirty="0"/>
-              <a:t>accumulatively</a:t>
-            </a:r>
-          </a:p>
-          <a:p>
-            <a:r>
-              <a:rPr lang="en-US" altLang="zh-CN" dirty="0"/>
-              <a:t>D</a:t>
-            </a:r>
-            <a:r>
-              <a:rPr lang="zh-CN" altLang="en-US" dirty="0"/>
-              <a:t> </a:t>
-            </a:r>
-            <a:r>
-              <a:rPr lang="en-US" altLang="zh-CN" dirty="0"/>
-              <a:t>E:</a:t>
-            </a:r>
-            <a:r>
-              <a:rPr lang="zh-CN" altLang="en-US" dirty="0"/>
-              <a:t> </a:t>
-            </a:r>
-            <a:r>
-              <a:rPr lang="en-US" altLang="zh-CN" dirty="0"/>
-              <a:t>both</a:t>
-            </a:r>
-            <a:r>
-              <a:rPr lang="zh-CN" altLang="en-US" dirty="0"/>
-              <a:t> </a:t>
-            </a:r>
-            <a:r>
-              <a:rPr lang="en-US" altLang="zh-CN" dirty="0"/>
-              <a:t>of</a:t>
-            </a:r>
-            <a:r>
-              <a:rPr lang="zh-CN" altLang="en-US" dirty="0"/>
-              <a:t> </a:t>
-            </a:r>
-            <a:r>
-              <a:rPr lang="en-US" altLang="zh-CN" dirty="0"/>
-              <a:t>the</a:t>
-            </a:r>
-            <a:r>
-              <a:rPr lang="zh-CN" altLang="en-US" dirty="0"/>
-              <a:t> </a:t>
-            </a:r>
-            <a:r>
-              <a:rPr lang="en-US" altLang="zh-CN" dirty="0"/>
-              <a:t>scope</a:t>
-            </a:r>
-            <a:r>
-              <a:rPr lang="zh-CN" altLang="en-US" dirty="0"/>
-              <a:t> </a:t>
-            </a:r>
-            <a:r>
-              <a:rPr lang="en-US" altLang="zh-CN" dirty="0"/>
-              <a:t>is</a:t>
-            </a:r>
-            <a:r>
-              <a:rPr lang="zh-CN" altLang="en-US" dirty="0"/>
-              <a:t> </a:t>
-            </a:r>
-            <a:r>
-              <a:rPr lang="en-US" altLang="zh-CN" dirty="0"/>
-              <a:t>within</a:t>
-            </a:r>
-            <a:r>
-              <a:rPr lang="zh-CN" altLang="en-US" dirty="0"/>
-              <a:t> </a:t>
-            </a:r>
-            <a:r>
-              <a:rPr lang="en-US" altLang="zh-CN" dirty="0"/>
-              <a:t>the</a:t>
-            </a:r>
-            <a:r>
-              <a:rPr lang="zh-CN" altLang="en-US" dirty="0"/>
-              <a:t> </a:t>
-            </a:r>
-            <a:r>
-              <a:rPr lang="en-US" altLang="zh-CN"/>
-              <a:t>funciton</a:t>
-            </a:r>
             <a:endParaRPr lang="en-US" dirty="0"/>
           </a:p>
         </p:txBody>
@@ -3618,10 +2016,7 @@
           <a:bodyPr/>
           <a:lstStyle/>
           <a:p>
-            <a:r>
-              <a:rPr lang="en-US" dirty="0"/>
-              <a:t>Execution breakdown</a:t>
-            </a:r>
+            <a:endParaRPr lang="en-US" dirty="0"/>
           </a:p>
         </p:txBody>
       </p:sp>
@@ -3642,7 +2037,7 @@
           <a:p>
             <a:fld id="{A9B581A5-7285-1149-8FD8-E075D459E27D}" type="slidenum">
               <a:rPr lang="en-US" smtClean="0"/>
-              <a:t>9</a:t>
+              <a:t>8</a:t>
             </a:fld>
             <a:endParaRPr lang="en-US"/>
           </a:p>
@@ -3651,7 +2046,7 @@
     </p:spTree>
     <p:extLst>
       <p:ext uri="{BB962C8B-B14F-4D97-AF65-F5344CB8AC3E}">
-        <p14:creationId xmlns:p14="http://schemas.microsoft.com/office/powerpoint/2010/main" val="2944124593"/>
+        <p14:creationId xmlns:p14="http://schemas.microsoft.com/office/powerpoint/2010/main" val="1340709548"/>
       </p:ext>
     </p:extLst>
   </p:cSld>
@@ -3705,71 +2100,7 @@
           <a:bodyPr/>
           <a:lstStyle/>
           <a:p>
-            <a:r>
-              <a:rPr lang="en-US" b="1"/>
-              <a:t>A &amp; B. </a:t>
-            </a:r>
-            <a:r>
-              <a:rPr lang="en-US" b="1" err="1"/>
-              <a:t>Movq</a:t>
-            </a:r>
-            <a:r>
-              <a:rPr lang="en-US" b="1"/>
-              <a:t> is writing 8 bytes. And the higher 4 bytes of that number is zero</a:t>
-            </a:r>
-            <a:r>
-              <a:rPr lang="en-US" altLang="zh-CN" b="1"/>
-              <a:t>, so </a:t>
-            </a:r>
-            <a:r>
-              <a:rPr lang="zh-CN" altLang="en-US" b="1"/>
-              <a:t> </a:t>
-            </a:r>
-            <a:r>
-              <a:rPr lang="en-US" altLang="zh-CN" b="1"/>
-              <a:t>is %</a:t>
-            </a:r>
-            <a:r>
-              <a:rPr lang="en-US" altLang="zh-CN" b="1" err="1"/>
-              <a:t>rax</a:t>
-            </a:r>
-            <a:endParaRPr lang="en-US" altLang="zh-CN" b="1"/>
-          </a:p>
-          <a:p>
-            <a:r>
-              <a:rPr lang="en-US" altLang="zh-CN" b="1"/>
-              <a:t>C &amp; D &amp; E. </a:t>
-            </a:r>
-            <a:r>
-              <a:rPr lang="en-US" altLang="zh-CN" b="1" err="1"/>
-              <a:t>eax</a:t>
-            </a:r>
-            <a:r>
-              <a:rPr lang="en-US" altLang="zh-CN" b="1"/>
-              <a:t> is the lower 4 bytes of %</a:t>
-            </a:r>
-            <a:r>
-              <a:rPr lang="en-US" altLang="zh-CN" b="1" err="1"/>
-              <a:t>rax</a:t>
-            </a:r>
-            <a:r>
-              <a:rPr lang="en-US" altLang="zh-CN" b="1"/>
-              <a:t>, which is 0x12345678</a:t>
-            </a:r>
-          </a:p>
-          <a:p>
-            <a:r>
-              <a:rPr lang="en-US" altLang="zh-CN" b="1"/>
-              <a:t>F &amp; G. %ax is the lower 2 bytes of %</a:t>
-            </a:r>
-            <a:r>
-              <a:rPr lang="en-US" altLang="zh-CN" b="1" err="1"/>
-              <a:t>rax</a:t>
-            </a:r>
-            <a:r>
-              <a:rPr lang="en-US" altLang="zh-CN" b="1"/>
-              <a:t>, which is 0x5678</a:t>
-            </a:r>
+            <a:endParaRPr lang="en-US" dirty="0"/>
           </a:p>
         </p:txBody>
       </p:sp>
@@ -3780,7 +2111,7 @@
             <a:spLocks noGrp="1"/>
           </p:cNvSpPr>
           <p:nvPr>
-            <p:ph type="sldNum" sz="quarter" idx="10"/>
+            <p:ph type="sldNum" sz="quarter" idx="5"/>
           </p:nvPr>
         </p:nvSpPr>
         <p:spPr/>
@@ -3788,9 +2119,9 @@
           <a:bodyPr/>
           <a:lstStyle/>
           <a:p>
-            <a:fld id="{12997B96-140C-EA4F-B463-52D6458225A7}" type="slidenum">
+            <a:fld id="{A9B581A5-7285-1149-8FD8-E075D459E27D}" type="slidenum">
               <a:rPr lang="en-US" smtClean="0"/>
-              <a:t>10</a:t>
+              <a:t>9</a:t>
             </a:fld>
             <a:endParaRPr lang="en-US"/>
           </a:p>
@@ -3799,7 +2130,7 @@
     </p:spTree>
     <p:extLst>
       <p:ext uri="{BB962C8B-B14F-4D97-AF65-F5344CB8AC3E}">
-        <p14:creationId xmlns:p14="http://schemas.microsoft.com/office/powerpoint/2010/main" val="1873664585"/>
+        <p14:creationId xmlns:p14="http://schemas.microsoft.com/office/powerpoint/2010/main" val="2944124593"/>
       </p:ext>
     </p:extLst>
   </p:cSld>
@@ -3853,35 +2184,7 @@
           <a:bodyPr/>
           <a:lstStyle/>
           <a:p>
-            <a:r>
-              <a:rPr lang="en-US" dirty="0" err="1"/>
-              <a:t>Movq</a:t>
-            </a:r>
-            <a:r>
-              <a:rPr lang="en-US" dirty="0"/>
-              <a:t> is storing the value 1</a:t>
-            </a:r>
-            <a:r>
-              <a:rPr lang="en-US" baseline="30000" dirty="0"/>
-              <a:t>st</a:t>
-            </a:r>
-            <a:r>
-              <a:rPr lang="en-US" dirty="0"/>
-              <a:t> operand into 2</a:t>
-            </a:r>
-            <a:r>
-              <a:rPr lang="en-US" baseline="30000" dirty="0"/>
-              <a:t>nd</a:t>
-            </a:r>
-            <a:r>
-              <a:rPr lang="en-US" dirty="0"/>
-              <a:t> operand</a:t>
-            </a:r>
-            <a:r>
-              <a:rPr lang="en-US"/>
-              <a:t>, hence C&amp;D are incorrect</a:t>
-            </a:r>
-            <a:endParaRPr lang="en-US" dirty="0"/>
+            <a:endParaRPr lang="en-US" altLang="zh-CN" b="1" dirty="0"/>
           </a:p>
         </p:txBody>
       </p:sp>
@@ -3902,7 +2205,7 @@
           <a:p>
             <a:fld id="{12997B96-140C-EA4F-B463-52D6458225A7}" type="slidenum">
               <a:rPr lang="en-US" smtClean="0"/>
-              <a:t>11</a:t>
+              <a:t>10</a:t>
             </a:fld>
             <a:endParaRPr lang="en-US"/>
           </a:p>
@@ -3911,7 +2214,7 @@
     </p:spTree>
     <p:extLst>
       <p:ext uri="{BB962C8B-B14F-4D97-AF65-F5344CB8AC3E}">
-        <p14:creationId xmlns:p14="http://schemas.microsoft.com/office/powerpoint/2010/main" val="2113124179"/>
+        <p14:creationId xmlns:p14="http://schemas.microsoft.com/office/powerpoint/2010/main" val="1873664585"/>
       </p:ext>
     </p:extLst>
   </p:cSld>
@@ -3965,7 +2268,7 @@
           <a:bodyPr/>
           <a:lstStyle/>
           <a:p>
-            <a:endParaRPr lang="en-US"/>
+            <a:endParaRPr lang="en-US" dirty="0"/>
           </a:p>
         </p:txBody>
       </p:sp>
@@ -3986,7 +2289,7 @@
           <a:p>
             <a:fld id="{12997B96-140C-EA4F-B463-52D6458225A7}" type="slidenum">
               <a:rPr lang="en-US" smtClean="0"/>
-              <a:t>12</a:t>
+              <a:t>11</a:t>
             </a:fld>
             <a:endParaRPr lang="en-US"/>
           </a:p>
@@ -3995,7 +2298,7 @@
     </p:spTree>
     <p:extLst>
       <p:ext uri="{BB962C8B-B14F-4D97-AF65-F5344CB8AC3E}">
-        <p14:creationId xmlns:p14="http://schemas.microsoft.com/office/powerpoint/2010/main" val="2450606959"/>
+        <p14:creationId xmlns:p14="http://schemas.microsoft.com/office/powerpoint/2010/main" val="2113124179"/>
       </p:ext>
     </p:extLst>
   </p:cSld>
@@ -4070,7 +2373,7 @@
           <a:p>
             <a:fld id="{12997B96-140C-EA4F-B463-52D6458225A7}" type="slidenum">
               <a:rPr lang="en-US" smtClean="0"/>
-              <a:t>13</a:t>
+              <a:t>12</a:t>
             </a:fld>
             <a:endParaRPr lang="en-US"/>
           </a:p>
@@ -4079,7 +2382,7 @@
     </p:spTree>
     <p:extLst>
       <p:ext uri="{BB962C8B-B14F-4D97-AF65-F5344CB8AC3E}">
-        <p14:creationId xmlns:p14="http://schemas.microsoft.com/office/powerpoint/2010/main" val="3853438475"/>
+        <p14:creationId xmlns:p14="http://schemas.microsoft.com/office/powerpoint/2010/main" val="2450606959"/>
       </p:ext>
     </p:extLst>
   </p:cSld>
@@ -24568,7 +22871,7 @@
           <p:nvPr/>
         </p:nvPicPr>
         <p:blipFill>
-          <a:blip r:embed="rId2">
+          <a:blip r:embed="rId3">
             <a:extLst>
               <a:ext uri="{28A0092B-C50C-407E-A947-70E740481C1C}">
                 <a14:useLocalDpi xmlns:a14="http://schemas.microsoft.com/office/drawing/2010/main" val="0"/>
